--- a/arm-template-authoring.pptx
+++ b/arm-template-authoring.pptx
@@ -5,7 +5,7 @@
     <p:sldMasterId id="2147483648" r:id="rId1"/>
   </p:sldMasterIdLst>
   <p:notesMasterIdLst>
-    <p:notesMasterId r:id="rId9"/>
+    <p:notesMasterId r:id="rId14"/>
   </p:notesMasterIdLst>
   <p:sldIdLst>
     <p:sldId id="256" r:id="rId2"/>
@@ -14,7 +14,12 @@
     <p:sldId id="265" r:id="rId5"/>
     <p:sldId id="261" r:id="rId6"/>
     <p:sldId id="260" r:id="rId7"/>
-    <p:sldId id="266" r:id="rId8"/>
+    <p:sldId id="271" r:id="rId8"/>
+    <p:sldId id="266" r:id="rId9"/>
+    <p:sldId id="267" r:id="rId10"/>
+    <p:sldId id="268" r:id="rId11"/>
+    <p:sldId id="269" r:id="rId12"/>
+    <p:sldId id="270" r:id="rId13"/>
   </p:sldIdLst>
   <p:sldSz cx="12192000" cy="6858000"/>
   <p:notesSz cx="6858000" cy="9144000"/>
@@ -203,7 +208,7 @@
           <a:p>
             <a:fld id="{80CEF8E5-5FA6-7C4D-84A4-0C268AABFB08}" type="datetimeFigureOut">
               <a:rPr lang="en-US" smtClean="0"/>
-              <a:t>4/23/20</a:t>
+              <a:t>7/16/20</a:t>
             </a:fld>
             <a:endParaRPr lang="en-US"/>
           </a:p>
@@ -650,6 +655,90 @@
 </p:notes>
 </file>
 
+<file path=ppt/notesSlides/notesSlide3.xml><?xml version="1.0" encoding="utf-8"?>
+<p:notes xmlns:a="http://schemas.openxmlformats.org/drawingml/2006/main" xmlns:r="http://schemas.openxmlformats.org/officeDocument/2006/relationships" xmlns:p="http://schemas.openxmlformats.org/presentationml/2006/main">
+  <p:cSld>
+    <p:spTree>
+      <p:nvGrpSpPr>
+        <p:cNvPr id="1" name=""/>
+        <p:cNvGrpSpPr/>
+        <p:nvPr/>
+      </p:nvGrpSpPr>
+      <p:grpSpPr>
+        <a:xfrm>
+          <a:off x="0" y="0"/>
+          <a:ext cx="0" cy="0"/>
+          <a:chOff x="0" y="0"/>
+          <a:chExt cx="0" cy="0"/>
+        </a:xfrm>
+      </p:grpSpPr>
+      <p:sp>
+        <p:nvSpPr>
+          <p:cNvPr id="2" name="Slide Image Placeholder 1"/>
+          <p:cNvSpPr>
+            <a:spLocks noGrp="1" noRot="1" noChangeAspect="1"/>
+          </p:cNvSpPr>
+          <p:nvPr>
+            <p:ph type="sldImg"/>
+          </p:nvPr>
+        </p:nvSpPr>
+        <p:spPr/>
+      </p:sp>
+      <p:sp>
+        <p:nvSpPr>
+          <p:cNvPr id="3" name="Notes Placeholder 2"/>
+          <p:cNvSpPr>
+            <a:spLocks noGrp="1"/>
+          </p:cNvSpPr>
+          <p:nvPr>
+            <p:ph type="body" idx="1"/>
+          </p:nvPr>
+        </p:nvSpPr>
+        <p:spPr/>
+        <p:txBody>
+          <a:bodyPr/>
+          <a:lstStyle/>
+          <a:p>
+            <a:endParaRPr lang="en-US" dirty="0"/>
+          </a:p>
+        </p:txBody>
+      </p:sp>
+      <p:sp>
+        <p:nvSpPr>
+          <p:cNvPr id="4" name="Slide Number Placeholder 3"/>
+          <p:cNvSpPr>
+            <a:spLocks noGrp="1"/>
+          </p:cNvSpPr>
+          <p:nvPr>
+            <p:ph type="sldNum" sz="quarter" idx="5"/>
+          </p:nvPr>
+        </p:nvSpPr>
+        <p:spPr/>
+        <p:txBody>
+          <a:bodyPr/>
+          <a:lstStyle/>
+          <a:p>
+            <a:fld id="{38B2E249-0296-4C41-9716-0718487D356B}" type="slidenum">
+              <a:rPr lang="en-US" smtClean="0"/>
+              <a:t>7</a:t>
+            </a:fld>
+            <a:endParaRPr lang="en-US"/>
+          </a:p>
+        </p:txBody>
+      </p:sp>
+    </p:spTree>
+    <p:extLst>
+      <p:ext uri="{BB962C8B-B14F-4D97-AF65-F5344CB8AC3E}">
+        <p14:creationId xmlns:p14="http://schemas.microsoft.com/office/powerpoint/2010/main" val="2604288288"/>
+      </p:ext>
+    </p:extLst>
+  </p:cSld>
+  <p:clrMapOvr>
+    <a:masterClrMapping/>
+  </p:clrMapOvr>
+</p:notes>
+</file>
+
 <file path=ppt/slideLayouts/slideLayout1.xml><?xml version="1.0" encoding="utf-8"?>
 <p:sldLayout xmlns:a="http://schemas.openxmlformats.org/drawingml/2006/main" xmlns:r="http://schemas.openxmlformats.org/officeDocument/2006/relationships" xmlns:p="http://schemas.openxmlformats.org/presentationml/2006/main" type="title" preserve="1">
   <p:cSld name="Title Slide">
@@ -797,7 +886,7 @@
           <a:p>
             <a:fld id="{446E99C7-2EC2-594B-A3A3-5AF7A2D08E9C}" type="datetimeFigureOut">
               <a:rPr lang="en-US" smtClean="0"/>
-              <a:t>4/23/20</a:t>
+              <a:t>7/16/20</a:t>
             </a:fld>
             <a:endParaRPr lang="en-US"/>
           </a:p>
@@ -995,7 +1084,7 @@
           <a:p>
             <a:fld id="{446E99C7-2EC2-594B-A3A3-5AF7A2D08E9C}" type="datetimeFigureOut">
               <a:rPr lang="en-US" smtClean="0"/>
-              <a:t>4/23/20</a:t>
+              <a:t>7/16/20</a:t>
             </a:fld>
             <a:endParaRPr lang="en-US"/>
           </a:p>
@@ -1203,7 +1292,7 @@
           <a:p>
             <a:fld id="{446E99C7-2EC2-594B-A3A3-5AF7A2D08E9C}" type="datetimeFigureOut">
               <a:rPr lang="en-US" smtClean="0"/>
-              <a:t>4/23/20</a:t>
+              <a:t>7/16/20</a:t>
             </a:fld>
             <a:endParaRPr lang="en-US"/>
           </a:p>
@@ -1401,7 +1490,7 @@
           <a:p>
             <a:fld id="{446E99C7-2EC2-594B-A3A3-5AF7A2D08E9C}" type="datetimeFigureOut">
               <a:rPr lang="en-US" smtClean="0"/>
-              <a:t>4/23/20</a:t>
+              <a:t>7/16/20</a:t>
             </a:fld>
             <a:endParaRPr lang="en-US"/>
           </a:p>
@@ -1676,7 +1765,7 @@
           <a:p>
             <a:fld id="{446E99C7-2EC2-594B-A3A3-5AF7A2D08E9C}" type="datetimeFigureOut">
               <a:rPr lang="en-US" smtClean="0"/>
-              <a:t>4/23/20</a:t>
+              <a:t>7/16/20</a:t>
             </a:fld>
             <a:endParaRPr lang="en-US"/>
           </a:p>
@@ -1941,7 +2030,7 @@
           <a:p>
             <a:fld id="{446E99C7-2EC2-594B-A3A3-5AF7A2D08E9C}" type="datetimeFigureOut">
               <a:rPr lang="en-US" smtClean="0"/>
-              <a:t>4/23/20</a:t>
+              <a:t>7/16/20</a:t>
             </a:fld>
             <a:endParaRPr lang="en-US"/>
           </a:p>
@@ -2353,7 +2442,7 @@
           <a:p>
             <a:fld id="{446E99C7-2EC2-594B-A3A3-5AF7A2D08E9C}" type="datetimeFigureOut">
               <a:rPr lang="en-US" smtClean="0"/>
-              <a:t>4/23/20</a:t>
+              <a:t>7/16/20</a:t>
             </a:fld>
             <a:endParaRPr lang="en-US"/>
           </a:p>
@@ -2494,7 +2583,7 @@
           <a:p>
             <a:fld id="{446E99C7-2EC2-594B-A3A3-5AF7A2D08E9C}" type="datetimeFigureOut">
               <a:rPr lang="en-US" smtClean="0"/>
-              <a:t>4/23/20</a:t>
+              <a:t>7/16/20</a:t>
             </a:fld>
             <a:endParaRPr lang="en-US"/>
           </a:p>
@@ -2607,7 +2696,7 @@
           <a:p>
             <a:fld id="{446E99C7-2EC2-594B-A3A3-5AF7A2D08E9C}" type="datetimeFigureOut">
               <a:rPr lang="en-US" smtClean="0"/>
-              <a:t>4/23/20</a:t>
+              <a:t>7/16/20</a:t>
             </a:fld>
             <a:endParaRPr lang="en-US"/>
           </a:p>
@@ -2918,7 +3007,7 @@
           <a:p>
             <a:fld id="{446E99C7-2EC2-594B-A3A3-5AF7A2D08E9C}" type="datetimeFigureOut">
               <a:rPr lang="en-US" smtClean="0"/>
-              <a:t>4/23/20</a:t>
+              <a:t>7/16/20</a:t>
             </a:fld>
             <a:endParaRPr lang="en-US"/>
           </a:p>
@@ -3206,7 +3295,7 @@
           <a:p>
             <a:fld id="{446E99C7-2EC2-594B-A3A3-5AF7A2D08E9C}" type="datetimeFigureOut">
               <a:rPr lang="en-US" smtClean="0"/>
-              <a:t>4/23/20</a:t>
+              <a:t>7/16/20</a:t>
             </a:fld>
             <a:endParaRPr lang="en-US"/>
           </a:p>
@@ -3447,7 +3536,7 @@
           <a:p>
             <a:fld id="{446E99C7-2EC2-594B-A3A3-5AF7A2D08E9C}" type="datetimeFigureOut">
               <a:rPr lang="en-US" smtClean="0"/>
-              <a:t>4/23/20</a:t>
+              <a:t>7/16/20</a:t>
             </a:fld>
             <a:endParaRPr lang="en-US"/>
           </a:p>
@@ -3953,6 +4042,341 @@
     <p:extLst>
       <p:ext uri="{BB962C8B-B14F-4D97-AF65-F5344CB8AC3E}">
         <p14:creationId xmlns:p14="http://schemas.microsoft.com/office/powerpoint/2010/main" val="2428800698"/>
+      </p:ext>
+    </p:extLst>
+  </p:cSld>
+  <p:clrMapOvr>
+    <a:masterClrMapping/>
+  </p:clrMapOvr>
+</p:sld>
+</file>
+
+<file path=ppt/slides/slide10.xml><?xml version="1.0" encoding="utf-8"?>
+<p:sld xmlns:a="http://schemas.openxmlformats.org/drawingml/2006/main" xmlns:r="http://schemas.openxmlformats.org/officeDocument/2006/relationships" xmlns:p="http://schemas.openxmlformats.org/presentationml/2006/main">
+  <p:cSld>
+    <p:spTree>
+      <p:nvGrpSpPr>
+        <p:cNvPr id="1" name=""/>
+        <p:cNvGrpSpPr/>
+        <p:nvPr/>
+      </p:nvGrpSpPr>
+      <p:grpSpPr>
+        <a:xfrm>
+          <a:off x="0" y="0"/>
+          <a:ext cx="0" cy="0"/>
+          <a:chOff x="0" y="0"/>
+          <a:chExt cx="0" cy="0"/>
+        </a:xfrm>
+      </p:grpSpPr>
+      <p:sp>
+        <p:nvSpPr>
+          <p:cNvPr id="2" name="Title 1">
+            <a:extLst>
+              <a:ext uri="{FF2B5EF4-FFF2-40B4-BE49-F238E27FC236}">
+                <a16:creationId xmlns:a16="http://schemas.microsoft.com/office/drawing/2014/main" id="{07F7B983-F813-534E-9487-D5BE3B86FD15}"/>
+              </a:ext>
+            </a:extLst>
+          </p:cNvPr>
+          <p:cNvSpPr>
+            <a:spLocks noGrp="1"/>
+          </p:cNvSpPr>
+          <p:nvPr>
+            <p:ph type="title"/>
+          </p:nvPr>
+        </p:nvSpPr>
+        <p:spPr/>
+        <p:txBody>
+          <a:bodyPr/>
+          <a:lstStyle/>
+          <a:p>
+            <a:r>
+              <a:rPr lang="en-US" dirty="0"/>
+              <a:t>ARM What-If</a:t>
+            </a:r>
+          </a:p>
+        </p:txBody>
+      </p:sp>
+      <p:sp>
+        <p:nvSpPr>
+          <p:cNvPr id="3" name="Content Placeholder 2">
+            <a:extLst>
+              <a:ext uri="{FF2B5EF4-FFF2-40B4-BE49-F238E27FC236}">
+                <a16:creationId xmlns:a16="http://schemas.microsoft.com/office/drawing/2014/main" id="{4BE43271-D21D-4F4C-BD3C-9615862FF631}"/>
+              </a:ext>
+            </a:extLst>
+          </p:cNvPr>
+          <p:cNvSpPr>
+            <a:spLocks noGrp="1"/>
+          </p:cNvSpPr>
+          <p:nvPr>
+            <p:ph idx="1"/>
+          </p:nvPr>
+        </p:nvSpPr>
+        <p:spPr/>
+        <p:txBody>
+          <a:bodyPr>
+            <a:normAutofit/>
+          </a:bodyPr>
+          <a:lstStyle/>
+          <a:p>
+            <a:pPr marL="0" indent="0">
+              <a:buNone/>
+            </a:pPr>
+            <a:r>
+              <a:rPr lang="en-US" dirty="0"/>
+              <a:t>Pre deployment change validation</a:t>
+            </a:r>
+          </a:p>
+          <a:p>
+            <a:pPr marL="0" indent="0">
+              <a:buNone/>
+            </a:pPr>
+            <a:endParaRPr lang="en-US" dirty="0"/>
+          </a:p>
+          <a:p>
+            <a:pPr>
+              <a:buFontTx/>
+              <a:buChar char="-"/>
+            </a:pPr>
+            <a:r>
+              <a:rPr lang="en-US" dirty="0"/>
+              <a:t>Preview potential changes before deployment</a:t>
+            </a:r>
+          </a:p>
+          <a:p>
+            <a:pPr>
+              <a:buFontTx/>
+              <a:buChar char="-"/>
+            </a:pPr>
+            <a:r>
+              <a:rPr lang="en-US" dirty="0"/>
+              <a:t>Azure PowerShell, CLI, and SDK Support</a:t>
+            </a:r>
+          </a:p>
+          <a:p>
+            <a:pPr>
+              <a:buFontTx/>
+              <a:buChar char="-"/>
+            </a:pPr>
+            <a:r>
+              <a:rPr lang="en-US" dirty="0"/>
+              <a:t>Currently in preview</a:t>
+            </a:r>
+          </a:p>
+        </p:txBody>
+      </p:sp>
+    </p:spTree>
+    <p:extLst>
+      <p:ext uri="{BB962C8B-B14F-4D97-AF65-F5344CB8AC3E}">
+        <p14:creationId xmlns:p14="http://schemas.microsoft.com/office/powerpoint/2010/main" val="4260517254"/>
+      </p:ext>
+    </p:extLst>
+  </p:cSld>
+  <p:clrMapOvr>
+    <a:masterClrMapping/>
+  </p:clrMapOvr>
+</p:sld>
+</file>
+
+<file path=ppt/slides/slide11.xml><?xml version="1.0" encoding="utf-8"?>
+<p:sld xmlns:a="http://schemas.openxmlformats.org/drawingml/2006/main" xmlns:r="http://schemas.openxmlformats.org/officeDocument/2006/relationships" xmlns:p="http://schemas.openxmlformats.org/presentationml/2006/main">
+  <p:cSld>
+    <p:spTree>
+      <p:nvGrpSpPr>
+        <p:cNvPr id="1" name=""/>
+        <p:cNvGrpSpPr/>
+        <p:nvPr/>
+      </p:nvGrpSpPr>
+      <p:grpSpPr>
+        <a:xfrm>
+          <a:off x="0" y="0"/>
+          <a:ext cx="0" cy="0"/>
+          <a:chOff x="0" y="0"/>
+          <a:chExt cx="0" cy="0"/>
+        </a:xfrm>
+      </p:grpSpPr>
+      <p:sp>
+        <p:nvSpPr>
+          <p:cNvPr id="2" name="Title 1">
+            <a:extLst>
+              <a:ext uri="{FF2B5EF4-FFF2-40B4-BE49-F238E27FC236}">
+                <a16:creationId xmlns:a16="http://schemas.microsoft.com/office/drawing/2014/main" id="{07F7B983-F813-534E-9487-D5BE3B86FD15}"/>
+              </a:ext>
+            </a:extLst>
+          </p:cNvPr>
+          <p:cNvSpPr>
+            <a:spLocks noGrp="1"/>
+          </p:cNvSpPr>
+          <p:nvPr>
+            <p:ph type="title"/>
+          </p:nvPr>
+        </p:nvSpPr>
+        <p:spPr/>
+        <p:txBody>
+          <a:bodyPr/>
+          <a:lstStyle/>
+          <a:p>
+            <a:r>
+              <a:rPr lang="en-US" dirty="0"/>
+              <a:t>ARM Template Toolkit</a:t>
+            </a:r>
+          </a:p>
+        </p:txBody>
+      </p:sp>
+      <p:sp>
+        <p:nvSpPr>
+          <p:cNvPr id="3" name="Content Placeholder 2">
+            <a:extLst>
+              <a:ext uri="{FF2B5EF4-FFF2-40B4-BE49-F238E27FC236}">
+                <a16:creationId xmlns:a16="http://schemas.microsoft.com/office/drawing/2014/main" id="{4BE43271-D21D-4F4C-BD3C-9615862FF631}"/>
+              </a:ext>
+            </a:extLst>
+          </p:cNvPr>
+          <p:cNvSpPr>
+            <a:spLocks noGrp="1"/>
+          </p:cNvSpPr>
+          <p:nvPr>
+            <p:ph idx="1"/>
+          </p:nvPr>
+        </p:nvSpPr>
+        <p:spPr/>
+        <p:txBody>
+          <a:bodyPr>
+            <a:normAutofit/>
+          </a:bodyPr>
+          <a:lstStyle/>
+          <a:p>
+            <a:pPr marL="0" indent="0">
+              <a:buNone/>
+            </a:pPr>
+            <a:r>
+              <a:rPr lang="en-US" dirty="0"/>
+              <a:t>Static code analysis</a:t>
+            </a:r>
+          </a:p>
+          <a:p>
+            <a:pPr marL="0" indent="0">
+              <a:buNone/>
+            </a:pPr>
+            <a:endParaRPr lang="en-US" dirty="0"/>
+          </a:p>
+          <a:p>
+            <a:pPr>
+              <a:buFontTx/>
+              <a:buChar char="-"/>
+            </a:pPr>
+            <a:r>
+              <a:rPr lang="en-US" dirty="0"/>
+              <a:t>Validates recommended practices</a:t>
+            </a:r>
+          </a:p>
+          <a:p>
+            <a:pPr>
+              <a:buFontTx/>
+              <a:buChar char="-"/>
+            </a:pPr>
+            <a:r>
+              <a:rPr lang="en-US" dirty="0"/>
+              <a:t>Extensible</a:t>
+            </a:r>
+          </a:p>
+          <a:p>
+            <a:pPr>
+              <a:buFontTx/>
+              <a:buChar char="-"/>
+            </a:pPr>
+            <a:r>
+              <a:rPr lang="en-US" dirty="0"/>
+              <a:t>Integrate with CI solutions</a:t>
+            </a:r>
+          </a:p>
+          <a:p>
+            <a:pPr>
+              <a:buFontTx/>
+              <a:buChar char="-"/>
+            </a:pPr>
+            <a:endParaRPr lang="en-US" dirty="0"/>
+          </a:p>
+        </p:txBody>
+      </p:sp>
+    </p:spTree>
+    <p:extLst>
+      <p:ext uri="{BB962C8B-B14F-4D97-AF65-F5344CB8AC3E}">
+        <p14:creationId xmlns:p14="http://schemas.microsoft.com/office/powerpoint/2010/main" val="622348946"/>
+      </p:ext>
+    </p:extLst>
+  </p:cSld>
+  <p:clrMapOvr>
+    <a:masterClrMapping/>
+  </p:clrMapOvr>
+</p:sld>
+</file>
+
+<file path=ppt/slides/slide12.xml><?xml version="1.0" encoding="utf-8"?>
+<p:sld xmlns:a="http://schemas.openxmlformats.org/drawingml/2006/main" xmlns:r="http://schemas.openxmlformats.org/officeDocument/2006/relationships" xmlns:p="http://schemas.openxmlformats.org/presentationml/2006/main">
+  <p:cSld>
+    <p:bg>
+      <p:bgPr>
+        <a:solidFill>
+          <a:schemeClr val="tx2"/>
+        </a:solidFill>
+        <a:effectLst/>
+      </p:bgPr>
+    </p:bg>
+    <p:spTree>
+      <p:nvGrpSpPr>
+        <p:cNvPr id="1" name=""/>
+        <p:cNvGrpSpPr/>
+        <p:nvPr/>
+      </p:nvGrpSpPr>
+      <p:grpSpPr>
+        <a:xfrm>
+          <a:off x="0" y="0"/>
+          <a:ext cx="0" cy="0"/>
+          <a:chOff x="0" y="0"/>
+          <a:chExt cx="0" cy="0"/>
+        </a:xfrm>
+      </p:grpSpPr>
+      <p:sp>
+        <p:nvSpPr>
+          <p:cNvPr id="2" name="Title 1">
+            <a:extLst>
+              <a:ext uri="{FF2B5EF4-FFF2-40B4-BE49-F238E27FC236}">
+                <a16:creationId xmlns:a16="http://schemas.microsoft.com/office/drawing/2014/main" id="{C557635D-43C8-5640-9DFA-676E299490F5}"/>
+              </a:ext>
+            </a:extLst>
+          </p:cNvPr>
+          <p:cNvSpPr>
+            <a:spLocks noGrp="1"/>
+          </p:cNvSpPr>
+          <p:nvPr>
+            <p:ph type="ctrTitle"/>
+          </p:nvPr>
+        </p:nvSpPr>
+        <p:spPr>
+          <a:solidFill>
+            <a:schemeClr val="tx2"/>
+          </a:solidFill>
+        </p:spPr>
+        <p:txBody>
+          <a:bodyPr/>
+          <a:lstStyle/>
+          <a:p>
+            <a:r>
+              <a:rPr lang="en-US" dirty="0">
+                <a:solidFill>
+                  <a:schemeClr val="bg1"/>
+                </a:solidFill>
+              </a:rPr>
+              <a:t>Demo What-If and ATT</a:t>
+            </a:r>
+          </a:p>
+        </p:txBody>
+      </p:sp>
+    </p:spTree>
+    <p:extLst>
+      <p:ext uri="{BB962C8B-B14F-4D97-AF65-F5344CB8AC3E}">
+        <p14:creationId xmlns:p14="http://schemas.microsoft.com/office/powerpoint/2010/main" val="1464423567"/>
       </p:ext>
     </p:extLst>
   </p:cSld>
@@ -6278,6 +6702,630 @@
           <p:cNvPr id="2" name="Title 1">
             <a:extLst>
               <a:ext uri="{FF2B5EF4-FFF2-40B4-BE49-F238E27FC236}">
+                <a16:creationId xmlns:a16="http://schemas.microsoft.com/office/drawing/2014/main" id="{07F7B983-F813-534E-9487-D5BE3B86FD15}"/>
+              </a:ext>
+            </a:extLst>
+          </p:cNvPr>
+          <p:cNvSpPr>
+            <a:spLocks noGrp="1"/>
+          </p:cNvSpPr>
+          <p:nvPr>
+            <p:ph type="title"/>
+          </p:nvPr>
+        </p:nvSpPr>
+        <p:spPr/>
+        <p:txBody>
+          <a:bodyPr/>
+          <a:lstStyle/>
+          <a:p>
+            <a:r>
+              <a:rPr lang="en-US" dirty="0"/>
+              <a:t>Authoring</a:t>
+            </a:r>
+          </a:p>
+        </p:txBody>
+      </p:sp>
+      <p:sp>
+        <p:nvSpPr>
+          <p:cNvPr id="3" name="Content Placeholder 2">
+            <a:extLst>
+              <a:ext uri="{FF2B5EF4-FFF2-40B4-BE49-F238E27FC236}">
+                <a16:creationId xmlns:a16="http://schemas.microsoft.com/office/drawing/2014/main" id="{4BE43271-D21D-4F4C-BD3C-9615862FF631}"/>
+              </a:ext>
+            </a:extLst>
+          </p:cNvPr>
+          <p:cNvSpPr>
+            <a:spLocks noGrp="1"/>
+          </p:cNvSpPr>
+          <p:nvPr>
+            <p:ph idx="1"/>
+          </p:nvPr>
+        </p:nvSpPr>
+        <p:spPr/>
+        <p:txBody>
+          <a:bodyPr>
+            <a:normAutofit/>
+          </a:bodyPr>
+          <a:lstStyle/>
+          <a:p>
+            <a:pPr marL="0" indent="0">
+              <a:buNone/>
+            </a:pPr>
+            <a:r>
+              <a:rPr lang="en-US" dirty="0"/>
+              <a:t>Tools and resources</a:t>
+            </a:r>
+          </a:p>
+          <a:p>
+            <a:pPr marL="0" indent="0">
+              <a:buNone/>
+            </a:pPr>
+            <a:endParaRPr lang="en-US" dirty="0"/>
+          </a:p>
+          <a:p>
+            <a:pPr>
+              <a:buFontTx/>
+              <a:buChar char="-"/>
+            </a:pPr>
+            <a:r>
+              <a:rPr lang="en-US" dirty="0"/>
+              <a:t>Visual Studio Code Extension</a:t>
+            </a:r>
+          </a:p>
+          <a:p>
+            <a:pPr>
+              <a:buFontTx/>
+              <a:buChar char="-"/>
+            </a:pPr>
+            <a:r>
+              <a:rPr lang="en-US" dirty="0"/>
+              <a:t>Visual Studio ARM Project</a:t>
+            </a:r>
+          </a:p>
+          <a:p>
+            <a:pPr>
+              <a:buFontTx/>
+              <a:buChar char="-"/>
+            </a:pPr>
+            <a:r>
+              <a:rPr lang="en-US" dirty="0"/>
+              <a:t>Portal export</a:t>
+            </a:r>
+          </a:p>
+          <a:p>
+            <a:pPr>
+              <a:buFontTx/>
+              <a:buChar char="-"/>
+            </a:pPr>
+            <a:r>
+              <a:rPr lang="en-US" dirty="0"/>
+              <a:t>ARM QuickStart gallery</a:t>
+            </a:r>
+          </a:p>
+          <a:p>
+            <a:pPr>
+              <a:buFontTx/>
+              <a:buChar char="-"/>
+            </a:pPr>
+            <a:r>
+              <a:rPr lang="en-US" dirty="0"/>
+              <a:t>Template reference docs</a:t>
+            </a:r>
+          </a:p>
+        </p:txBody>
+      </p:sp>
+      <p:pic>
+        <p:nvPicPr>
+          <p:cNvPr id="4" name="Picture 3">
+            <a:extLst>
+              <a:ext uri="{FF2B5EF4-FFF2-40B4-BE49-F238E27FC236}">
+                <a16:creationId xmlns:a16="http://schemas.microsoft.com/office/drawing/2014/main" id="{E6B847BA-0A8D-484B-BB30-818BE2750589}"/>
+              </a:ext>
+            </a:extLst>
+          </p:cNvPr>
+          <p:cNvPicPr>
+            <a:picLocks noChangeAspect="1"/>
+          </p:cNvPicPr>
+          <p:nvPr/>
+        </p:nvPicPr>
+        <p:blipFill rotWithShape="1">
+          <a:blip r:embed="rId3"/>
+          <a:srcRect r="32517"/>
+          <a:stretch/>
+        </p:blipFill>
+        <p:spPr>
+          <a:xfrm>
+            <a:off x="6096000" y="0"/>
+            <a:ext cx="6534215" cy="6858000"/>
+          </a:xfrm>
+          <a:prstGeom prst="rect">
+            <a:avLst/>
+          </a:prstGeom>
+        </p:spPr>
+      </p:pic>
+    </p:spTree>
+    <p:extLst>
+      <p:ext uri="{BB962C8B-B14F-4D97-AF65-F5344CB8AC3E}">
+        <p14:creationId xmlns:p14="http://schemas.microsoft.com/office/powerpoint/2010/main" val="1108704444"/>
+      </p:ext>
+    </p:extLst>
+  </p:cSld>
+  <p:clrMapOvr>
+    <a:masterClrMapping/>
+  </p:clrMapOvr>
+  <p:timing>
+    <p:tnLst>
+      <p:par>
+        <p:cTn id="1" dur="indefinite" restart="never" nodeType="tmRoot">
+          <p:childTnLst>
+            <p:seq concurrent="1" nextAc="seek">
+              <p:cTn id="2" dur="indefinite" nodeType="mainSeq">
+                <p:childTnLst>
+                  <p:par>
+                    <p:cTn id="3" fill="hold">
+                      <p:stCondLst>
+                        <p:cond delay="indefinite"/>
+                      </p:stCondLst>
+                      <p:childTnLst>
+                        <p:par>
+                          <p:cTn id="4" fill="hold">
+                            <p:stCondLst>
+                              <p:cond delay="0"/>
+                            </p:stCondLst>
+                            <p:childTnLst>
+                              <p:par>
+                                <p:cTn id="5" presetID="1" presetClass="entr" presetSubtype="0" fill="hold" nodeType="clickEffect">
+                                  <p:stCondLst>
+                                    <p:cond delay="0"/>
+                                  </p:stCondLst>
+                                  <p:childTnLst>
+                                    <p:set>
+                                      <p:cBhvr>
+                                        <p:cTn id="6" dur="1" fill="hold">
+                                          <p:stCondLst>
+                                            <p:cond delay="0"/>
+                                          </p:stCondLst>
+                                        </p:cTn>
+                                        <p:tgtEl>
+                                          <p:spTgt spid="3">
+                                            <p:txEl>
+                                              <p:pRg st="2" end="2"/>
+                                            </p:txEl>
+                                          </p:spTgt>
+                                        </p:tgtEl>
+                                        <p:attrNameLst>
+                                          <p:attrName>style.visibility</p:attrName>
+                                        </p:attrNameLst>
+                                      </p:cBhvr>
+                                      <p:to>
+                                        <p:strVal val="visible"/>
+                                      </p:to>
+                                    </p:set>
+                                  </p:childTnLst>
+                                </p:cTn>
+                              </p:par>
+                            </p:childTnLst>
+                          </p:cTn>
+                        </p:par>
+                      </p:childTnLst>
+                    </p:cTn>
+                  </p:par>
+                  <p:par>
+                    <p:cTn id="7" fill="hold">
+                      <p:stCondLst>
+                        <p:cond delay="indefinite"/>
+                      </p:stCondLst>
+                      <p:childTnLst>
+                        <p:par>
+                          <p:cTn id="8" fill="hold">
+                            <p:stCondLst>
+                              <p:cond delay="0"/>
+                            </p:stCondLst>
+                            <p:childTnLst>
+                              <p:par>
+                                <p:cTn id="9" presetID="1" presetClass="entr" presetSubtype="0" fill="hold" nodeType="clickEffect">
+                                  <p:stCondLst>
+                                    <p:cond delay="0"/>
+                                  </p:stCondLst>
+                                  <p:childTnLst>
+                                    <p:set>
+                                      <p:cBhvr>
+                                        <p:cTn id="10" dur="1" fill="hold">
+                                          <p:stCondLst>
+                                            <p:cond delay="0"/>
+                                          </p:stCondLst>
+                                        </p:cTn>
+                                        <p:tgtEl>
+                                          <p:spTgt spid="3">
+                                            <p:txEl>
+                                              <p:pRg st="3" end="3"/>
+                                            </p:txEl>
+                                          </p:spTgt>
+                                        </p:tgtEl>
+                                        <p:attrNameLst>
+                                          <p:attrName>style.visibility</p:attrName>
+                                        </p:attrNameLst>
+                                      </p:cBhvr>
+                                      <p:to>
+                                        <p:strVal val="visible"/>
+                                      </p:to>
+                                    </p:set>
+                                  </p:childTnLst>
+                                </p:cTn>
+                              </p:par>
+                            </p:childTnLst>
+                          </p:cTn>
+                        </p:par>
+                      </p:childTnLst>
+                    </p:cTn>
+                  </p:par>
+                  <p:par>
+                    <p:cTn id="11" fill="hold">
+                      <p:stCondLst>
+                        <p:cond delay="indefinite"/>
+                      </p:stCondLst>
+                      <p:childTnLst>
+                        <p:par>
+                          <p:cTn id="12" fill="hold">
+                            <p:stCondLst>
+                              <p:cond delay="0"/>
+                            </p:stCondLst>
+                            <p:childTnLst>
+                              <p:par>
+                                <p:cTn id="13" presetID="1" presetClass="entr" presetSubtype="0" fill="hold" nodeType="clickEffect">
+                                  <p:stCondLst>
+                                    <p:cond delay="0"/>
+                                  </p:stCondLst>
+                                  <p:childTnLst>
+                                    <p:set>
+                                      <p:cBhvr>
+                                        <p:cTn id="14" dur="1" fill="hold">
+                                          <p:stCondLst>
+                                            <p:cond delay="0"/>
+                                          </p:stCondLst>
+                                        </p:cTn>
+                                        <p:tgtEl>
+                                          <p:spTgt spid="3">
+                                            <p:txEl>
+                                              <p:pRg st="4" end="4"/>
+                                            </p:txEl>
+                                          </p:spTgt>
+                                        </p:tgtEl>
+                                        <p:attrNameLst>
+                                          <p:attrName>style.visibility</p:attrName>
+                                        </p:attrNameLst>
+                                      </p:cBhvr>
+                                      <p:to>
+                                        <p:strVal val="visible"/>
+                                      </p:to>
+                                    </p:set>
+                                  </p:childTnLst>
+                                </p:cTn>
+                              </p:par>
+                            </p:childTnLst>
+                          </p:cTn>
+                        </p:par>
+                      </p:childTnLst>
+                    </p:cTn>
+                  </p:par>
+                  <p:par>
+                    <p:cTn id="15" fill="hold">
+                      <p:stCondLst>
+                        <p:cond delay="indefinite"/>
+                      </p:stCondLst>
+                      <p:childTnLst>
+                        <p:par>
+                          <p:cTn id="16" fill="hold">
+                            <p:stCondLst>
+                              <p:cond delay="0"/>
+                            </p:stCondLst>
+                            <p:childTnLst>
+                              <p:par>
+                                <p:cTn id="17" presetID="1" presetClass="entr" presetSubtype="0" fill="hold" nodeType="clickEffect">
+                                  <p:stCondLst>
+                                    <p:cond delay="0"/>
+                                  </p:stCondLst>
+                                  <p:childTnLst>
+                                    <p:set>
+                                      <p:cBhvr>
+                                        <p:cTn id="18" dur="1" fill="hold">
+                                          <p:stCondLst>
+                                            <p:cond delay="0"/>
+                                          </p:stCondLst>
+                                        </p:cTn>
+                                        <p:tgtEl>
+                                          <p:spTgt spid="3">
+                                            <p:txEl>
+                                              <p:pRg st="5" end="5"/>
+                                            </p:txEl>
+                                          </p:spTgt>
+                                        </p:tgtEl>
+                                        <p:attrNameLst>
+                                          <p:attrName>style.visibility</p:attrName>
+                                        </p:attrNameLst>
+                                      </p:cBhvr>
+                                      <p:to>
+                                        <p:strVal val="visible"/>
+                                      </p:to>
+                                    </p:set>
+                                  </p:childTnLst>
+                                </p:cTn>
+                              </p:par>
+                            </p:childTnLst>
+                          </p:cTn>
+                        </p:par>
+                      </p:childTnLst>
+                    </p:cTn>
+                  </p:par>
+                  <p:par>
+                    <p:cTn id="19" fill="hold">
+                      <p:stCondLst>
+                        <p:cond delay="indefinite"/>
+                      </p:stCondLst>
+                      <p:childTnLst>
+                        <p:par>
+                          <p:cTn id="20" fill="hold">
+                            <p:stCondLst>
+                              <p:cond delay="0"/>
+                            </p:stCondLst>
+                            <p:childTnLst>
+                              <p:par>
+                                <p:cTn id="21" presetID="1" presetClass="entr" presetSubtype="0" fill="hold" nodeType="clickEffect">
+                                  <p:stCondLst>
+                                    <p:cond delay="0"/>
+                                  </p:stCondLst>
+                                  <p:childTnLst>
+                                    <p:set>
+                                      <p:cBhvr>
+                                        <p:cTn id="22" dur="1" fill="hold">
+                                          <p:stCondLst>
+                                            <p:cond delay="0"/>
+                                          </p:stCondLst>
+                                        </p:cTn>
+                                        <p:tgtEl>
+                                          <p:spTgt spid="3">
+                                            <p:txEl>
+                                              <p:pRg st="6" end="6"/>
+                                            </p:txEl>
+                                          </p:spTgt>
+                                        </p:tgtEl>
+                                        <p:attrNameLst>
+                                          <p:attrName>style.visibility</p:attrName>
+                                        </p:attrNameLst>
+                                      </p:cBhvr>
+                                      <p:to>
+                                        <p:strVal val="visible"/>
+                                      </p:to>
+                                    </p:set>
+                                  </p:childTnLst>
+                                </p:cTn>
+                              </p:par>
+                            </p:childTnLst>
+                          </p:cTn>
+                        </p:par>
+                      </p:childTnLst>
+                    </p:cTn>
+                  </p:par>
+                  <p:par>
+                    <p:cTn id="23" fill="hold">
+                      <p:stCondLst>
+                        <p:cond delay="indefinite"/>
+                      </p:stCondLst>
+                      <p:childTnLst>
+                        <p:par>
+                          <p:cTn id="24" fill="hold">
+                            <p:stCondLst>
+                              <p:cond delay="0"/>
+                            </p:stCondLst>
+                            <p:childTnLst>
+                              <p:par>
+                                <p:cTn id="25" presetID="1" presetClass="exit" presetSubtype="0" fill="hold" nodeType="clickEffect">
+                                  <p:stCondLst>
+                                    <p:cond delay="0"/>
+                                  </p:stCondLst>
+                                  <p:childTnLst>
+                                    <p:set>
+                                      <p:cBhvr>
+                                        <p:cTn id="26" dur="1" fill="hold">
+                                          <p:stCondLst>
+                                            <p:cond delay="0"/>
+                                          </p:stCondLst>
+                                        </p:cTn>
+                                        <p:tgtEl>
+                                          <p:spTgt spid="3">
+                                            <p:txEl>
+                                              <p:pRg st="2" end="2"/>
+                                            </p:txEl>
+                                          </p:spTgt>
+                                        </p:tgtEl>
+                                        <p:attrNameLst>
+                                          <p:attrName>style.visibility</p:attrName>
+                                        </p:attrNameLst>
+                                      </p:cBhvr>
+                                      <p:to>
+                                        <p:strVal val="hidden"/>
+                                      </p:to>
+                                    </p:set>
+                                  </p:childTnLst>
+                                </p:cTn>
+                              </p:par>
+                              <p:par>
+                                <p:cTn id="27" presetID="1" presetClass="exit" presetSubtype="0" fill="hold" nodeType="withEffect">
+                                  <p:stCondLst>
+                                    <p:cond delay="0"/>
+                                  </p:stCondLst>
+                                  <p:childTnLst>
+                                    <p:set>
+                                      <p:cBhvr>
+                                        <p:cTn id="28" dur="1" fill="hold">
+                                          <p:stCondLst>
+                                            <p:cond delay="0"/>
+                                          </p:stCondLst>
+                                        </p:cTn>
+                                        <p:tgtEl>
+                                          <p:spTgt spid="3">
+                                            <p:txEl>
+                                              <p:pRg st="3" end="3"/>
+                                            </p:txEl>
+                                          </p:spTgt>
+                                        </p:tgtEl>
+                                        <p:attrNameLst>
+                                          <p:attrName>style.visibility</p:attrName>
+                                        </p:attrNameLst>
+                                      </p:cBhvr>
+                                      <p:to>
+                                        <p:strVal val="hidden"/>
+                                      </p:to>
+                                    </p:set>
+                                  </p:childTnLst>
+                                </p:cTn>
+                              </p:par>
+                              <p:par>
+                                <p:cTn id="29" presetID="1" presetClass="exit" presetSubtype="0" fill="hold" nodeType="withEffect">
+                                  <p:stCondLst>
+                                    <p:cond delay="0"/>
+                                  </p:stCondLst>
+                                  <p:childTnLst>
+                                    <p:set>
+                                      <p:cBhvr>
+                                        <p:cTn id="30" dur="1" fill="hold">
+                                          <p:stCondLst>
+                                            <p:cond delay="0"/>
+                                          </p:stCondLst>
+                                        </p:cTn>
+                                        <p:tgtEl>
+                                          <p:spTgt spid="3">
+                                            <p:txEl>
+                                              <p:pRg st="4" end="4"/>
+                                            </p:txEl>
+                                          </p:spTgt>
+                                        </p:tgtEl>
+                                        <p:attrNameLst>
+                                          <p:attrName>style.visibility</p:attrName>
+                                        </p:attrNameLst>
+                                      </p:cBhvr>
+                                      <p:to>
+                                        <p:strVal val="hidden"/>
+                                      </p:to>
+                                    </p:set>
+                                  </p:childTnLst>
+                                </p:cTn>
+                              </p:par>
+                              <p:par>
+                                <p:cTn id="31" presetID="1" presetClass="exit" presetSubtype="0" fill="hold" nodeType="withEffect">
+                                  <p:stCondLst>
+                                    <p:cond delay="0"/>
+                                  </p:stCondLst>
+                                  <p:childTnLst>
+                                    <p:set>
+                                      <p:cBhvr>
+                                        <p:cTn id="32" dur="1" fill="hold">
+                                          <p:stCondLst>
+                                            <p:cond delay="0"/>
+                                          </p:stCondLst>
+                                        </p:cTn>
+                                        <p:tgtEl>
+                                          <p:spTgt spid="3">
+                                            <p:txEl>
+                                              <p:pRg st="5" end="5"/>
+                                            </p:txEl>
+                                          </p:spTgt>
+                                        </p:tgtEl>
+                                        <p:attrNameLst>
+                                          <p:attrName>style.visibility</p:attrName>
+                                        </p:attrNameLst>
+                                      </p:cBhvr>
+                                      <p:to>
+                                        <p:strVal val="hidden"/>
+                                      </p:to>
+                                    </p:set>
+                                  </p:childTnLst>
+                                </p:cTn>
+                              </p:par>
+                              <p:par>
+                                <p:cTn id="33" presetID="1" presetClass="exit" presetSubtype="0" fill="hold" nodeType="withEffect">
+                                  <p:stCondLst>
+                                    <p:cond delay="0"/>
+                                  </p:stCondLst>
+                                  <p:childTnLst>
+                                    <p:set>
+                                      <p:cBhvr>
+                                        <p:cTn id="34" dur="1" fill="hold">
+                                          <p:stCondLst>
+                                            <p:cond delay="0"/>
+                                          </p:stCondLst>
+                                        </p:cTn>
+                                        <p:tgtEl>
+                                          <p:spTgt spid="3">
+                                            <p:txEl>
+                                              <p:pRg st="6" end="6"/>
+                                            </p:txEl>
+                                          </p:spTgt>
+                                        </p:tgtEl>
+                                        <p:attrNameLst>
+                                          <p:attrName>style.visibility</p:attrName>
+                                        </p:attrNameLst>
+                                      </p:cBhvr>
+                                      <p:to>
+                                        <p:strVal val="hidden"/>
+                                      </p:to>
+                                    </p:set>
+                                  </p:childTnLst>
+                                </p:cTn>
+                              </p:par>
+                            </p:childTnLst>
+                          </p:cTn>
+                        </p:par>
+                      </p:childTnLst>
+                    </p:cTn>
+                  </p:par>
+                </p:childTnLst>
+              </p:cTn>
+              <p:prevCondLst>
+                <p:cond evt="onPrev" delay="0">
+                  <p:tgtEl>
+                    <p:sldTgt/>
+                  </p:tgtEl>
+                </p:cond>
+              </p:prevCondLst>
+              <p:nextCondLst>
+                <p:cond evt="onNext" delay="0">
+                  <p:tgtEl>
+                    <p:sldTgt/>
+                  </p:tgtEl>
+                </p:cond>
+              </p:nextCondLst>
+            </p:seq>
+          </p:childTnLst>
+        </p:cTn>
+      </p:par>
+    </p:tnLst>
+  </p:timing>
+</p:sld>
+</file>
+
+<file path=ppt/slides/slide8.xml><?xml version="1.0" encoding="utf-8"?>
+<p:sld xmlns:a="http://schemas.openxmlformats.org/drawingml/2006/main" xmlns:r="http://schemas.openxmlformats.org/officeDocument/2006/relationships" xmlns:p="http://schemas.openxmlformats.org/presentationml/2006/main">
+  <p:cSld>
+    <p:spTree>
+      <p:nvGrpSpPr>
+        <p:cNvPr id="1" name=""/>
+        <p:cNvGrpSpPr/>
+        <p:nvPr/>
+      </p:nvGrpSpPr>
+      <p:grpSpPr>
+        <a:xfrm>
+          <a:off x="0" y="0"/>
+          <a:ext cx="0" cy="0"/>
+          <a:chOff x="0" y="0"/>
+          <a:chExt cx="0" cy="0"/>
+        </a:xfrm>
+      </p:grpSpPr>
+      <p:sp>
+        <p:nvSpPr>
+          <p:cNvPr id="2" name="Title 1">
+            <a:extLst>
+              <a:ext uri="{FF2B5EF4-FFF2-40B4-BE49-F238E27FC236}">
                 <a16:creationId xmlns:a16="http://schemas.microsoft.com/office/drawing/2014/main" id="{8B5F5BC9-E778-EF41-B880-F73726AD4F8E}"/>
               </a:ext>
             </a:extLst>
@@ -6687,6 +7735,80 @@
       </p:par>
     </p:tnLst>
   </p:timing>
+</p:sld>
+</file>
+
+<file path=ppt/slides/slide9.xml><?xml version="1.0" encoding="utf-8"?>
+<p:sld xmlns:a="http://schemas.openxmlformats.org/drawingml/2006/main" xmlns:r="http://schemas.openxmlformats.org/officeDocument/2006/relationships" xmlns:p="http://schemas.openxmlformats.org/presentationml/2006/main">
+  <p:cSld>
+    <p:bg>
+      <p:bgPr>
+        <a:solidFill>
+          <a:schemeClr val="tx2"/>
+        </a:solidFill>
+        <a:effectLst/>
+      </p:bgPr>
+    </p:bg>
+    <p:spTree>
+      <p:nvGrpSpPr>
+        <p:cNvPr id="1" name=""/>
+        <p:cNvGrpSpPr/>
+        <p:nvPr/>
+      </p:nvGrpSpPr>
+      <p:grpSpPr>
+        <a:xfrm>
+          <a:off x="0" y="0"/>
+          <a:ext cx="0" cy="0"/>
+          <a:chOff x="0" y="0"/>
+          <a:chExt cx="0" cy="0"/>
+        </a:xfrm>
+      </p:grpSpPr>
+      <p:sp>
+        <p:nvSpPr>
+          <p:cNvPr id="2" name="Title 1">
+            <a:extLst>
+              <a:ext uri="{FF2B5EF4-FFF2-40B4-BE49-F238E27FC236}">
+                <a16:creationId xmlns:a16="http://schemas.microsoft.com/office/drawing/2014/main" id="{C557635D-43C8-5640-9DFA-676E299490F5}"/>
+              </a:ext>
+            </a:extLst>
+          </p:cNvPr>
+          <p:cNvSpPr>
+            <a:spLocks noGrp="1"/>
+          </p:cNvSpPr>
+          <p:nvPr>
+            <p:ph type="ctrTitle"/>
+          </p:nvPr>
+        </p:nvSpPr>
+        <p:spPr>
+          <a:solidFill>
+            <a:schemeClr val="tx2"/>
+          </a:solidFill>
+        </p:spPr>
+        <p:txBody>
+          <a:bodyPr/>
+          <a:lstStyle/>
+          <a:p>
+            <a:r>
+              <a:rPr lang="en-US" dirty="0">
+                <a:solidFill>
+                  <a:schemeClr val="bg1"/>
+                </a:solidFill>
+              </a:rPr>
+              <a:t>Demo ARM Templates</a:t>
+            </a:r>
+          </a:p>
+        </p:txBody>
+      </p:sp>
+    </p:spTree>
+    <p:extLst>
+      <p:ext uri="{BB962C8B-B14F-4D97-AF65-F5344CB8AC3E}">
+        <p14:creationId xmlns:p14="http://schemas.microsoft.com/office/powerpoint/2010/main" val="2602708638"/>
+      </p:ext>
+    </p:extLst>
+  </p:cSld>
+  <p:clrMapOvr>
+    <a:masterClrMapping/>
+  </p:clrMapOvr>
 </p:sld>
 </file>
 
